--- a/textbook/파이썬6-2교시.pptx
+++ b/textbook/파이썬6-2교시.pptx
@@ -319,7 +319,7 @@
           <a:p>
             <a:fld id="{3575F28B-E03B-4F00-AA56-A8AF97DAF43F}" type="datetimeFigureOut">
               <a:rPr lang="ko-KR" altLang="en-US" smtClean="0"/>
-              <a:t>2021-08-04</a:t>
+              <a:t>2021-08-18</a:t>
             </a:fld>
             <a:endParaRPr lang="ko-KR" altLang="en-US"/>
           </a:p>
@@ -651,7 +651,7 @@
           <a:p>
             <a:fld id="{3575F28B-E03B-4F00-AA56-A8AF97DAF43F}" type="datetimeFigureOut">
               <a:rPr lang="ko-KR" altLang="en-US" smtClean="0"/>
-              <a:t>2021-08-04</a:t>
+              <a:t>2021-08-18</a:t>
             </a:fld>
             <a:endParaRPr lang="ko-KR" altLang="en-US"/>
           </a:p>
@@ -1050,7 +1050,7 @@
           <a:p>
             <a:fld id="{3575F28B-E03B-4F00-AA56-A8AF97DAF43F}" type="datetimeFigureOut">
               <a:rPr lang="ko-KR" altLang="en-US" smtClean="0"/>
-              <a:t>2021-08-04</a:t>
+              <a:t>2021-08-18</a:t>
             </a:fld>
             <a:endParaRPr lang="ko-KR" altLang="en-US"/>
           </a:p>
@@ -1384,7 +1384,7 @@
           <a:p>
             <a:fld id="{3575F28B-E03B-4F00-AA56-A8AF97DAF43F}" type="datetimeFigureOut">
               <a:rPr lang="ko-KR" altLang="en-US" smtClean="0"/>
-              <a:t>2021-08-04</a:t>
+              <a:t>2021-08-18</a:t>
             </a:fld>
             <a:endParaRPr lang="ko-KR" altLang="en-US"/>
           </a:p>
@@ -1702,7 +1702,7 @@
           <a:p>
             <a:fld id="{3575F28B-E03B-4F00-AA56-A8AF97DAF43F}" type="datetimeFigureOut">
               <a:rPr lang="ko-KR" altLang="en-US" smtClean="0"/>
-              <a:t>2021-08-04</a:t>
+              <a:t>2021-08-18</a:t>
             </a:fld>
             <a:endParaRPr lang="ko-KR" altLang="en-US"/>
           </a:p>
@@ -2096,7 +2096,7 @@
           <a:p>
             <a:fld id="{3575F28B-E03B-4F00-AA56-A8AF97DAF43F}" type="datetimeFigureOut">
               <a:rPr lang="ko-KR" altLang="en-US" smtClean="0"/>
-              <a:t>2021-08-04</a:t>
+              <a:t>2021-08-18</a:t>
             </a:fld>
             <a:endParaRPr lang="ko-KR" altLang="en-US"/>
           </a:p>
@@ -2351,7 +2351,7 @@
           <a:p>
             <a:fld id="{3575F28B-E03B-4F00-AA56-A8AF97DAF43F}" type="datetimeFigureOut">
               <a:rPr lang="ko-KR" altLang="en-US" smtClean="0"/>
-              <a:t>2021-08-04</a:t>
+              <a:t>2021-08-18</a:t>
             </a:fld>
             <a:endParaRPr lang="ko-KR" altLang="en-US"/>
           </a:p>
@@ -2611,7 +2611,7 @@
           <a:p>
             <a:fld id="{3575F28B-E03B-4F00-AA56-A8AF97DAF43F}" type="datetimeFigureOut">
               <a:rPr lang="ko-KR" altLang="en-US" smtClean="0"/>
-              <a:t>2021-08-04</a:t>
+              <a:t>2021-08-18</a:t>
             </a:fld>
             <a:endParaRPr lang="ko-KR" altLang="en-US"/>
           </a:p>
@@ -2871,7 +2871,7 @@
           <a:p>
             <a:fld id="{3575F28B-E03B-4F00-AA56-A8AF97DAF43F}" type="datetimeFigureOut">
               <a:rPr lang="ko-KR" altLang="en-US" smtClean="0"/>
-              <a:t>2021-08-04</a:t>
+              <a:t>2021-08-18</a:t>
             </a:fld>
             <a:endParaRPr lang="ko-KR" altLang="en-US"/>
           </a:p>
@@ -3198,7 +3198,7 @@
           <a:p>
             <a:fld id="{3575F28B-E03B-4F00-AA56-A8AF97DAF43F}" type="datetimeFigureOut">
               <a:rPr lang="ko-KR" altLang="en-US" smtClean="0"/>
-              <a:t>2021-08-04</a:t>
+              <a:t>2021-08-18</a:t>
             </a:fld>
             <a:endParaRPr lang="ko-KR" altLang="en-US"/>
           </a:p>
@@ -3519,7 +3519,7 @@
           <a:p>
             <a:fld id="{3575F28B-E03B-4F00-AA56-A8AF97DAF43F}" type="datetimeFigureOut">
               <a:rPr lang="ko-KR" altLang="en-US" smtClean="0"/>
-              <a:t>2021-08-04</a:t>
+              <a:t>2021-08-18</a:t>
             </a:fld>
             <a:endParaRPr lang="ko-KR" altLang="en-US"/>
           </a:p>
@@ -3974,7 +3974,7 @@
           <a:p>
             <a:fld id="{3575F28B-E03B-4F00-AA56-A8AF97DAF43F}" type="datetimeFigureOut">
               <a:rPr lang="ko-KR" altLang="en-US" smtClean="0"/>
-              <a:t>2021-08-04</a:t>
+              <a:t>2021-08-18</a:t>
             </a:fld>
             <a:endParaRPr lang="ko-KR" altLang="en-US"/>
           </a:p>
@@ -4182,7 +4182,7 @@
           <a:p>
             <a:fld id="{3575F28B-E03B-4F00-AA56-A8AF97DAF43F}" type="datetimeFigureOut">
               <a:rPr lang="ko-KR" altLang="en-US" smtClean="0"/>
-              <a:t>2021-08-04</a:t>
+              <a:t>2021-08-18</a:t>
             </a:fld>
             <a:endParaRPr lang="ko-KR" altLang="en-US"/>
           </a:p>
@@ -4357,7 +4357,7 @@
           <a:p>
             <a:fld id="{3575F28B-E03B-4F00-AA56-A8AF97DAF43F}" type="datetimeFigureOut">
               <a:rPr lang="ko-KR" altLang="en-US" smtClean="0"/>
-              <a:t>2021-08-04</a:t>
+              <a:t>2021-08-18</a:t>
             </a:fld>
             <a:endParaRPr lang="ko-KR" altLang="en-US"/>
           </a:p>
@@ -4688,7 +4688,7 @@
           <a:p>
             <a:fld id="{3575F28B-E03B-4F00-AA56-A8AF97DAF43F}" type="datetimeFigureOut">
               <a:rPr lang="ko-KR" altLang="en-US" smtClean="0"/>
-              <a:t>2021-08-04</a:t>
+              <a:t>2021-08-18</a:t>
             </a:fld>
             <a:endParaRPr lang="ko-KR" altLang="en-US"/>
           </a:p>
@@ -5031,7 +5031,7 @@
           <a:p>
             <a:fld id="{3575F28B-E03B-4F00-AA56-A8AF97DAF43F}" type="datetimeFigureOut">
               <a:rPr lang="ko-KR" altLang="en-US" smtClean="0"/>
-              <a:t>2021-08-04</a:t>
+              <a:t>2021-08-18</a:t>
             </a:fld>
             <a:endParaRPr lang="ko-KR" altLang="en-US"/>
           </a:p>
@@ -7146,7 +7146,7 @@
           <a:p>
             <a:fld id="{3575F28B-E03B-4F00-AA56-A8AF97DAF43F}" type="datetimeFigureOut">
               <a:rPr lang="ko-KR" altLang="en-US" smtClean="0"/>
-              <a:t>2021-08-04</a:t>
+              <a:t>2021-08-18</a:t>
             </a:fld>
             <a:endParaRPr lang="ko-KR" altLang="en-US"/>
           </a:p>
@@ -7694,13 +7694,18 @@
               <a:rPr lang="en-US" altLang="ko-KR" dirty="0"/>
             </a:br>
             <a:r>
+              <a:rPr lang="ko-KR" altLang="en-US" dirty="0" err="1"/>
+              <a:t>파이썬</a:t>
+            </a:r>
+            <a:r>
               <a:rPr lang="ko-KR" altLang="en-US" dirty="0"/>
-              <a:t>파이썬 </a:t>
-            </a:r>
-            <a:r>
-              <a:rPr lang="en-US" altLang="ko-KR" dirty="0"/>
-              <a:t>6-2</a:t>
-            </a:r>
+              <a:t> </a:t>
+            </a:r>
+            <a:r>
+              <a:rPr lang="en-US" altLang="ko-KR" dirty="0" smtClean="0"/>
+              <a:t>6-3</a:t>
+            </a:r>
+            <a:endParaRPr lang="en-US" altLang="ko-KR" dirty="0"/>
           </a:p>
         </p:txBody>
       </p:sp>
@@ -7723,29 +7728,14 @@
               <a:defRPr/>
             </a:pPr>
             <a:r>
-              <a:rPr lang="ko-KR" altLang="en-US" dirty="0"/>
-              <a:t>파이썬 그래픽의 이해</a:t>
-            </a:r>
-            <a:r>
-              <a:rPr lang="en-US" altLang="ko-KR" dirty="0"/>
-              <a:t>, </a:t>
-            </a:r>
-            <a:r>
-              <a:rPr lang="ko-KR" altLang="en-US" dirty="0"/>
-              <a:t>벡터 사용하기</a:t>
-            </a:r>
-            <a:r>
-              <a:rPr lang="en-US" altLang="ko-KR" dirty="0"/>
-              <a:t>2 (</a:t>
-            </a:r>
-            <a:r>
-              <a:rPr lang="ko-KR" altLang="en-US" dirty="0"/>
-              <a:t>탱크게임 만들기</a:t>
-            </a:r>
-            <a:r>
-              <a:rPr lang="en-US" altLang="ko-KR" dirty="0"/>
-              <a:t>)</a:t>
-            </a:r>
+              <a:rPr lang="ko-KR" altLang="en-US" dirty="0" smtClean="0"/>
+              <a:t>다양한 기능을 넣어서 게임을 완성해 보자</a:t>
+            </a:r>
+            <a:r>
+              <a:rPr lang="en-US" altLang="ko-KR" dirty="0" smtClean="0"/>
+              <a:t>. </a:t>
+            </a:r>
+            <a:endParaRPr lang="en-US" altLang="ko-KR" dirty="0"/>
           </a:p>
         </p:txBody>
       </p:sp>
@@ -7821,13 +7811,14 @@
               <a:defRPr/>
             </a:pPr>
             <a:r>
-              <a:rPr lang="ko-KR" altLang="en-US" dirty="0"/>
-              <a:t>벡터와 각도를 이용해서 회전과 방향을 설정한다</a:t>
-            </a:r>
-            <a:r>
-              <a:rPr lang="en-US" altLang="ko-KR" dirty="0"/>
+              <a:rPr lang="ko-KR" altLang="en-US" dirty="0" smtClean="0"/>
+              <a:t>게이지 표시 하기</a:t>
+            </a:r>
+            <a:r>
+              <a:rPr lang="en-US" altLang="ko-KR" dirty="0" smtClean="0"/>
               <a:t>.</a:t>
             </a:r>
+            <a:endParaRPr lang="en-US" altLang="ko-KR" dirty="0"/>
           </a:p>
           <a:p>
             <a:pPr marL="0" lvl="0" indent="0">
@@ -7849,20 +7840,21 @@
             </a:pPr>
             <a:r>
               <a:rPr lang="ko-KR" altLang="en-US" dirty="0" smtClean="0"/>
-              <a:t>보다 정밀한 충돌 조건 만들기</a:t>
+              <a:t>화면 확장하기 </a:t>
             </a:r>
             <a:r>
               <a:rPr lang="en-US" altLang="ko-KR" dirty="0" smtClean="0"/>
-              <a:t>(mask </a:t>
+              <a:t>(</a:t>
             </a:r>
             <a:r>
               <a:rPr lang="ko-KR" altLang="en-US" dirty="0" smtClean="0"/>
-              <a:t>사용</a:t>
+              <a:t>카메라 클래스 구현</a:t>
             </a:r>
             <a:r>
               <a:rPr lang="en-US" altLang="ko-KR" dirty="0" smtClean="0"/>
               <a:t>)</a:t>
             </a:r>
+            <a:endParaRPr lang="en-US" altLang="ko-KR" dirty="0" smtClean="0"/>
           </a:p>
           <a:p>
             <a:pPr lvl="0">
@@ -7882,16 +7874,49 @@
             </a:pPr>
             <a:r>
               <a:rPr lang="ko-KR" altLang="en-US" dirty="0" smtClean="0"/>
-              <a:t>간단한 </a:t>
+              <a:t>점수 표시</a:t>
+            </a:r>
+            <a:r>
+              <a:rPr lang="en-US" altLang="ko-KR" dirty="0" smtClean="0"/>
+              <a:t>, </a:t>
+            </a:r>
+            <a:r>
+              <a:rPr lang="ko-KR" altLang="en-US" dirty="0" smtClean="0"/>
+              <a:t>및 </a:t>
+            </a:r>
+            <a:r>
+              <a:rPr lang="en-US" altLang="ko-KR" dirty="0" smtClean="0"/>
+              <a:t>UI</a:t>
+            </a:r>
+            <a:r>
+              <a:rPr lang="en-US" altLang="ko-KR" dirty="0"/>
+              <a:t> (</a:t>
             </a:r>
             <a:r>
               <a:rPr lang="ko-KR" altLang="en-US" dirty="0"/>
-              <a:t>효과음과 배경음악을 넣어 본다</a:t>
+              <a:t>유저 </a:t>
+            </a:r>
+            <a:r>
+              <a:rPr lang="ko-KR" altLang="en-US" dirty="0" err="1"/>
+              <a:t>인터</a:t>
+            </a:r>
+            <a:r>
+              <a:rPr lang="ko-KR" altLang="en-US" dirty="0"/>
+              <a:t> 페이스</a:t>
+            </a:r>
+            <a:r>
+              <a:rPr lang="en-US" altLang="ko-KR" dirty="0"/>
+              <a:t>)</a:t>
             </a:r>
             <a:r>
               <a:rPr lang="en-US" altLang="ko-KR" dirty="0" smtClean="0"/>
-              <a:t>.</a:t>
-            </a:r>
+              <a:t> </a:t>
+            </a:r>
+            <a:r>
+              <a:rPr lang="ko-KR" altLang="en-US" dirty="0" smtClean="0"/>
+              <a:t>꾸미기</a:t>
+            </a:r>
+            <a:endParaRPr lang="en-US" altLang="ko-KR" dirty="0" smtClean="0"/>
           </a:p>
           <a:p>
             <a:pPr lvl="0">

--- a/textbook/파이썬6-2교시.pptx
+++ b/textbook/파이썬6-2교시.pptx
@@ -319,7 +319,7 @@
           <a:p>
             <a:fld id="{3575F28B-E03B-4F00-AA56-A8AF97DAF43F}" type="datetimeFigureOut">
               <a:rPr lang="ko-KR" altLang="en-US" smtClean="0"/>
-              <a:t>2021-08-18</a:t>
+              <a:t>2021-08-04</a:t>
             </a:fld>
             <a:endParaRPr lang="ko-KR" altLang="en-US"/>
           </a:p>
@@ -651,7 +651,7 @@
           <a:p>
             <a:fld id="{3575F28B-E03B-4F00-AA56-A8AF97DAF43F}" type="datetimeFigureOut">
               <a:rPr lang="ko-KR" altLang="en-US" smtClean="0"/>
-              <a:t>2021-08-18</a:t>
+              <a:t>2021-08-04</a:t>
             </a:fld>
             <a:endParaRPr lang="ko-KR" altLang="en-US"/>
           </a:p>
@@ -1050,7 +1050,7 @@
           <a:p>
             <a:fld id="{3575F28B-E03B-4F00-AA56-A8AF97DAF43F}" type="datetimeFigureOut">
               <a:rPr lang="ko-KR" altLang="en-US" smtClean="0"/>
-              <a:t>2021-08-18</a:t>
+              <a:t>2021-08-04</a:t>
             </a:fld>
             <a:endParaRPr lang="ko-KR" altLang="en-US"/>
           </a:p>
@@ -1384,7 +1384,7 @@
           <a:p>
             <a:fld id="{3575F28B-E03B-4F00-AA56-A8AF97DAF43F}" type="datetimeFigureOut">
               <a:rPr lang="ko-KR" altLang="en-US" smtClean="0"/>
-              <a:t>2021-08-18</a:t>
+              <a:t>2021-08-04</a:t>
             </a:fld>
             <a:endParaRPr lang="ko-KR" altLang="en-US"/>
           </a:p>
@@ -1702,7 +1702,7 @@
           <a:p>
             <a:fld id="{3575F28B-E03B-4F00-AA56-A8AF97DAF43F}" type="datetimeFigureOut">
               <a:rPr lang="ko-KR" altLang="en-US" smtClean="0"/>
-              <a:t>2021-08-18</a:t>
+              <a:t>2021-08-04</a:t>
             </a:fld>
             <a:endParaRPr lang="ko-KR" altLang="en-US"/>
           </a:p>
@@ -2096,7 +2096,7 @@
           <a:p>
             <a:fld id="{3575F28B-E03B-4F00-AA56-A8AF97DAF43F}" type="datetimeFigureOut">
               <a:rPr lang="ko-KR" altLang="en-US" smtClean="0"/>
-              <a:t>2021-08-18</a:t>
+              <a:t>2021-08-04</a:t>
             </a:fld>
             <a:endParaRPr lang="ko-KR" altLang="en-US"/>
           </a:p>
@@ -2351,7 +2351,7 @@
           <a:p>
             <a:fld id="{3575F28B-E03B-4F00-AA56-A8AF97DAF43F}" type="datetimeFigureOut">
               <a:rPr lang="ko-KR" altLang="en-US" smtClean="0"/>
-              <a:t>2021-08-18</a:t>
+              <a:t>2021-08-04</a:t>
             </a:fld>
             <a:endParaRPr lang="ko-KR" altLang="en-US"/>
           </a:p>
@@ -2611,7 +2611,7 @@
           <a:p>
             <a:fld id="{3575F28B-E03B-4F00-AA56-A8AF97DAF43F}" type="datetimeFigureOut">
               <a:rPr lang="ko-KR" altLang="en-US" smtClean="0"/>
-              <a:t>2021-08-18</a:t>
+              <a:t>2021-08-04</a:t>
             </a:fld>
             <a:endParaRPr lang="ko-KR" altLang="en-US"/>
           </a:p>
@@ -2871,7 +2871,7 @@
           <a:p>
             <a:fld id="{3575F28B-E03B-4F00-AA56-A8AF97DAF43F}" type="datetimeFigureOut">
               <a:rPr lang="ko-KR" altLang="en-US" smtClean="0"/>
-              <a:t>2021-08-18</a:t>
+              <a:t>2021-08-04</a:t>
             </a:fld>
             <a:endParaRPr lang="ko-KR" altLang="en-US"/>
           </a:p>
@@ -3198,7 +3198,7 @@
           <a:p>
             <a:fld id="{3575F28B-E03B-4F00-AA56-A8AF97DAF43F}" type="datetimeFigureOut">
               <a:rPr lang="ko-KR" altLang="en-US" smtClean="0"/>
-              <a:t>2021-08-18</a:t>
+              <a:t>2021-08-04</a:t>
             </a:fld>
             <a:endParaRPr lang="ko-KR" altLang="en-US"/>
           </a:p>
@@ -3519,7 +3519,7 @@
           <a:p>
             <a:fld id="{3575F28B-E03B-4F00-AA56-A8AF97DAF43F}" type="datetimeFigureOut">
               <a:rPr lang="ko-KR" altLang="en-US" smtClean="0"/>
-              <a:t>2021-08-18</a:t>
+              <a:t>2021-08-04</a:t>
             </a:fld>
             <a:endParaRPr lang="ko-KR" altLang="en-US"/>
           </a:p>
@@ -3974,7 +3974,7 @@
           <a:p>
             <a:fld id="{3575F28B-E03B-4F00-AA56-A8AF97DAF43F}" type="datetimeFigureOut">
               <a:rPr lang="ko-KR" altLang="en-US" smtClean="0"/>
-              <a:t>2021-08-18</a:t>
+              <a:t>2021-08-04</a:t>
             </a:fld>
             <a:endParaRPr lang="ko-KR" altLang="en-US"/>
           </a:p>
@@ -4182,7 +4182,7 @@
           <a:p>
             <a:fld id="{3575F28B-E03B-4F00-AA56-A8AF97DAF43F}" type="datetimeFigureOut">
               <a:rPr lang="ko-KR" altLang="en-US" smtClean="0"/>
-              <a:t>2021-08-18</a:t>
+              <a:t>2021-08-04</a:t>
             </a:fld>
             <a:endParaRPr lang="ko-KR" altLang="en-US"/>
           </a:p>
@@ -4357,7 +4357,7 @@
           <a:p>
             <a:fld id="{3575F28B-E03B-4F00-AA56-A8AF97DAF43F}" type="datetimeFigureOut">
               <a:rPr lang="ko-KR" altLang="en-US" smtClean="0"/>
-              <a:t>2021-08-18</a:t>
+              <a:t>2021-08-04</a:t>
             </a:fld>
             <a:endParaRPr lang="ko-KR" altLang="en-US"/>
           </a:p>
@@ -4688,7 +4688,7 @@
           <a:p>
             <a:fld id="{3575F28B-E03B-4F00-AA56-A8AF97DAF43F}" type="datetimeFigureOut">
               <a:rPr lang="ko-KR" altLang="en-US" smtClean="0"/>
-              <a:t>2021-08-18</a:t>
+              <a:t>2021-08-04</a:t>
             </a:fld>
             <a:endParaRPr lang="ko-KR" altLang="en-US"/>
           </a:p>
@@ -5031,7 +5031,7 @@
           <a:p>
             <a:fld id="{3575F28B-E03B-4F00-AA56-A8AF97DAF43F}" type="datetimeFigureOut">
               <a:rPr lang="ko-KR" altLang="en-US" smtClean="0"/>
-              <a:t>2021-08-18</a:t>
+              <a:t>2021-08-04</a:t>
             </a:fld>
             <a:endParaRPr lang="ko-KR" altLang="en-US"/>
           </a:p>
@@ -7146,7 +7146,7 @@
           <a:p>
             <a:fld id="{3575F28B-E03B-4F00-AA56-A8AF97DAF43F}" type="datetimeFigureOut">
               <a:rPr lang="ko-KR" altLang="en-US" smtClean="0"/>
-              <a:t>2021-08-18</a:t>
+              <a:t>2021-08-04</a:t>
             </a:fld>
             <a:endParaRPr lang="ko-KR" altLang="en-US"/>
           </a:p>
@@ -7694,18 +7694,13 @@
               <a:rPr lang="en-US" altLang="ko-KR" dirty="0"/>
             </a:br>
             <a:r>
-              <a:rPr lang="ko-KR" altLang="en-US" dirty="0" err="1"/>
-              <a:t>파이썬</a:t>
-            </a:r>
-            <a:r>
               <a:rPr lang="ko-KR" altLang="en-US" dirty="0"/>
-              <a:t> </a:t>
-            </a:r>
-            <a:r>
-              <a:rPr lang="en-US" altLang="ko-KR" dirty="0" smtClean="0"/>
-              <a:t>6-3</a:t>
-            </a:r>
-            <a:endParaRPr lang="en-US" altLang="ko-KR" dirty="0"/>
+              <a:t>파이썬 </a:t>
+            </a:r>
+            <a:r>
+              <a:rPr lang="en-US" altLang="ko-KR" dirty="0"/>
+              <a:t>6-2</a:t>
+            </a:r>
           </a:p>
         </p:txBody>
       </p:sp>
@@ -7728,14 +7723,29 @@
               <a:defRPr/>
             </a:pPr>
             <a:r>
-              <a:rPr lang="ko-KR" altLang="en-US" dirty="0" smtClean="0"/>
-              <a:t>다양한 기능을 넣어서 게임을 완성해 보자</a:t>
-            </a:r>
-            <a:r>
-              <a:rPr lang="en-US" altLang="ko-KR" dirty="0" smtClean="0"/>
-              <a:t>. </a:t>
-            </a:r>
-            <a:endParaRPr lang="en-US" altLang="ko-KR" dirty="0"/>
+              <a:rPr lang="ko-KR" altLang="en-US" dirty="0"/>
+              <a:t>파이썬 그래픽의 이해</a:t>
+            </a:r>
+            <a:r>
+              <a:rPr lang="en-US" altLang="ko-KR" dirty="0"/>
+              <a:t>, </a:t>
+            </a:r>
+            <a:r>
+              <a:rPr lang="ko-KR" altLang="en-US" dirty="0"/>
+              <a:t>벡터 사용하기</a:t>
+            </a:r>
+            <a:r>
+              <a:rPr lang="en-US" altLang="ko-KR" dirty="0"/>
+              <a:t>2 (</a:t>
+            </a:r>
+            <a:r>
+              <a:rPr lang="ko-KR" altLang="en-US" dirty="0"/>
+              <a:t>탱크게임 만들기</a:t>
+            </a:r>
+            <a:r>
+              <a:rPr lang="en-US" altLang="ko-KR" dirty="0"/>
+              <a:t>)</a:t>
+            </a:r>
           </a:p>
         </p:txBody>
       </p:sp>
@@ -7811,14 +7821,13 @@
               <a:defRPr/>
             </a:pPr>
             <a:r>
-              <a:rPr lang="ko-KR" altLang="en-US" dirty="0" smtClean="0"/>
-              <a:t>게이지 표시 하기</a:t>
-            </a:r>
-            <a:r>
-              <a:rPr lang="en-US" altLang="ko-KR" dirty="0" smtClean="0"/>
+              <a:rPr lang="ko-KR" altLang="en-US" dirty="0"/>
+              <a:t>벡터와 각도를 이용해서 회전과 방향을 설정한다</a:t>
+            </a:r>
+            <a:r>
+              <a:rPr lang="en-US" altLang="ko-KR" dirty="0"/>
               <a:t>.</a:t>
             </a:r>
-            <a:endParaRPr lang="en-US" altLang="ko-KR" dirty="0"/>
           </a:p>
           <a:p>
             <a:pPr marL="0" lvl="0" indent="0">
@@ -7840,21 +7849,20 @@
             </a:pPr>
             <a:r>
               <a:rPr lang="ko-KR" altLang="en-US" dirty="0" smtClean="0"/>
-              <a:t>화면 확장하기 </a:t>
+              <a:t>보다 정밀한 충돌 조건 만들기</a:t>
             </a:r>
             <a:r>
               <a:rPr lang="en-US" altLang="ko-KR" dirty="0" smtClean="0"/>
-              <a:t>(</a:t>
+              <a:t>(mask </a:t>
             </a:r>
             <a:r>
               <a:rPr lang="ko-KR" altLang="en-US" dirty="0" smtClean="0"/>
-              <a:t>카메라 클래스 구현</a:t>
+              <a:t>사용</a:t>
             </a:r>
             <a:r>
               <a:rPr lang="en-US" altLang="ko-KR" dirty="0" smtClean="0"/>
               <a:t>)</a:t>
             </a:r>
-            <a:endParaRPr lang="en-US" altLang="ko-KR" dirty="0" smtClean="0"/>
           </a:p>
           <a:p>
             <a:pPr lvl="0">
@@ -7874,49 +7882,16 @@
             </a:pPr>
             <a:r>
               <a:rPr lang="ko-KR" altLang="en-US" dirty="0" smtClean="0"/>
-              <a:t>점수 표시</a:t>
+              <a:t>간단한 </a:t>
+            </a:r>
+            <a:r>
+              <a:rPr lang="ko-KR" altLang="en-US" dirty="0"/>
+              <a:t>효과음과 배경음악을 넣어 본다</a:t>
             </a:r>
             <a:r>
               <a:rPr lang="en-US" altLang="ko-KR" dirty="0" smtClean="0"/>
-              <a:t>, </a:t>
-            </a:r>
-            <a:r>
-              <a:rPr lang="ko-KR" altLang="en-US" dirty="0" smtClean="0"/>
-              <a:t>및 </a:t>
-            </a:r>
-            <a:r>
-              <a:rPr lang="en-US" altLang="ko-KR" dirty="0" smtClean="0"/>
-              <a:t>UI</a:t>
-            </a:r>
-            <a:r>
-              <a:rPr lang="en-US" altLang="ko-KR" dirty="0"/>
-              <a:t> (</a:t>
-            </a:r>
-            <a:r>
-              <a:rPr lang="ko-KR" altLang="en-US" dirty="0"/>
-              <a:t>유저 </a:t>
-            </a:r>
-            <a:r>
-              <a:rPr lang="ko-KR" altLang="en-US" dirty="0" err="1"/>
-              <a:t>인터</a:t>
-            </a:r>
-            <a:r>
-              <a:rPr lang="ko-KR" altLang="en-US" dirty="0"/>
-              <a:t> 페이스</a:t>
-            </a:r>
-            <a:r>
-              <a:rPr lang="en-US" altLang="ko-KR" dirty="0"/>
-              <a:t>)</a:t>
-            </a:r>
-            <a:r>
-              <a:rPr lang="en-US" altLang="ko-KR" dirty="0" smtClean="0"/>
-              <a:t> </a:t>
-            </a:r>
-            <a:r>
-              <a:rPr lang="ko-KR" altLang="en-US" dirty="0" smtClean="0"/>
-              <a:t>꾸미기</a:t>
-            </a:r>
-            <a:endParaRPr lang="en-US" altLang="ko-KR" dirty="0" smtClean="0"/>
+              <a:t>.</a:t>
+            </a:r>
           </a:p>
           <a:p>
             <a:pPr lvl="0">
